--- a/3 SQL/04a_SQL3_SELECT_Expresii si predicate.pptx
+++ b/3 SQL/04a_SQL3_SELECT_Expresii si predicate.pptx
@@ -7386,7 +7386,7 @@
                 <a:latin typeface="Gabriola" pitchFamily="82" charset="0"/>
                 <a:cs typeface="Vani" pitchFamily="34" charset="0"/>
               </a:rPr>
-              <a:t>Fraza SELECT</a:t>
+              <a:t>SQL - fraza SELECT</a:t>
             </a:r>
             <a:r>
               <a:rPr lang="en-US" sz="4100" b="1" dirty="0">
